--- a/耶穌耶穌_小羊詩歌.pptx
+++ b/耶穌耶穌_小羊詩歌.pptx
@@ -108,6 +108,11 @@
       </a:defRPr>
     </a:lvl9pPr>
   </p:defaultTextStyle>
+  <p:extLst>
+    <p:ext uri="{EFAFB233-063F-42B5-8137-9DF3F51BA10A}">
+      <p15:sldGuideLst xmlns:p15="http://schemas.microsoft.com/office/powerpoint/2012/main"/>
+    </p:ext>
+  </p:extLst>
 </p:presentation>
 </file>
 
@@ -292,7 +297,7 @@
           <a:p>
             <a:fld id="{159A3783-867B-4795-845A-4162121837A5}" type="datetimeFigureOut">
               <a:rPr lang="vi-VN" smtClean="0"/>
-              <a:t>10/12/2022</a:t>
+              <a:t>14/10/2023</a:t>
             </a:fld>
             <a:endParaRPr lang="vi-VN"/>
           </a:p>
@@ -462,7 +467,7 @@
           <a:p>
             <a:fld id="{159A3783-867B-4795-845A-4162121837A5}" type="datetimeFigureOut">
               <a:rPr lang="vi-VN" smtClean="0"/>
-              <a:t>10/12/2022</a:t>
+              <a:t>14/10/2023</a:t>
             </a:fld>
             <a:endParaRPr lang="vi-VN"/>
           </a:p>
@@ -642,7 +647,7 @@
           <a:p>
             <a:fld id="{159A3783-867B-4795-845A-4162121837A5}" type="datetimeFigureOut">
               <a:rPr lang="vi-VN" smtClean="0"/>
-              <a:t>10/12/2022</a:t>
+              <a:t>14/10/2023</a:t>
             </a:fld>
             <a:endParaRPr lang="vi-VN"/>
           </a:p>
@@ -812,7 +817,7 @@
           <a:p>
             <a:fld id="{159A3783-867B-4795-845A-4162121837A5}" type="datetimeFigureOut">
               <a:rPr lang="vi-VN" smtClean="0"/>
-              <a:t>10/12/2022</a:t>
+              <a:t>14/10/2023</a:t>
             </a:fld>
             <a:endParaRPr lang="vi-VN"/>
           </a:p>
@@ -1058,7 +1063,7 @@
           <a:p>
             <a:fld id="{159A3783-867B-4795-845A-4162121837A5}" type="datetimeFigureOut">
               <a:rPr lang="vi-VN" smtClean="0"/>
-              <a:t>10/12/2022</a:t>
+              <a:t>14/10/2023</a:t>
             </a:fld>
             <a:endParaRPr lang="vi-VN"/>
           </a:p>
@@ -1346,7 +1351,7 @@
           <a:p>
             <a:fld id="{159A3783-867B-4795-845A-4162121837A5}" type="datetimeFigureOut">
               <a:rPr lang="vi-VN" smtClean="0"/>
-              <a:t>10/12/2022</a:t>
+              <a:t>14/10/2023</a:t>
             </a:fld>
             <a:endParaRPr lang="vi-VN"/>
           </a:p>
@@ -1768,7 +1773,7 @@
           <a:p>
             <a:fld id="{159A3783-867B-4795-845A-4162121837A5}" type="datetimeFigureOut">
               <a:rPr lang="vi-VN" smtClean="0"/>
-              <a:t>10/12/2022</a:t>
+              <a:t>14/10/2023</a:t>
             </a:fld>
             <a:endParaRPr lang="vi-VN"/>
           </a:p>
@@ -1886,7 +1891,7 @@
           <a:p>
             <a:fld id="{159A3783-867B-4795-845A-4162121837A5}" type="datetimeFigureOut">
               <a:rPr lang="vi-VN" smtClean="0"/>
-              <a:t>10/12/2022</a:t>
+              <a:t>14/10/2023</a:t>
             </a:fld>
             <a:endParaRPr lang="vi-VN"/>
           </a:p>
@@ -1981,7 +1986,7 @@
           <a:p>
             <a:fld id="{159A3783-867B-4795-845A-4162121837A5}" type="datetimeFigureOut">
               <a:rPr lang="vi-VN" smtClean="0"/>
-              <a:t>10/12/2022</a:t>
+              <a:t>14/10/2023</a:t>
             </a:fld>
             <a:endParaRPr lang="vi-VN"/>
           </a:p>
@@ -2258,7 +2263,7 @@
           <a:p>
             <a:fld id="{159A3783-867B-4795-845A-4162121837A5}" type="datetimeFigureOut">
               <a:rPr lang="vi-VN" smtClean="0"/>
-              <a:t>10/12/2022</a:t>
+              <a:t>14/10/2023</a:t>
             </a:fld>
             <a:endParaRPr lang="vi-VN"/>
           </a:p>
@@ -2515,7 +2520,7 @@
           <a:p>
             <a:fld id="{159A3783-867B-4795-845A-4162121837A5}" type="datetimeFigureOut">
               <a:rPr lang="vi-VN" smtClean="0"/>
-              <a:t>10/12/2022</a:t>
+              <a:t>14/10/2023</a:t>
             </a:fld>
             <a:endParaRPr lang="vi-VN"/>
           </a:p>
@@ -2733,7 +2738,7 @@
           <a:p>
             <a:fld id="{159A3783-867B-4795-845A-4162121837A5}" type="datetimeFigureOut">
               <a:rPr lang="vi-VN" smtClean="0"/>
-              <a:t>10/12/2022</a:t>
+              <a:t>14/10/2023</a:t>
             </a:fld>
             <a:endParaRPr lang="vi-VN"/>
           </a:p>
@@ -3227,20 +3232,10 @@
                 <a:latin typeface="微軟正黑體" pitchFamily="34" charset="-120"/>
                 <a:ea typeface="微軟正黑體" pitchFamily="34" charset="-120"/>
               </a:rPr>
-              <a:t>我</a:t>
-            </a:r>
-            <a:r>
-              <a:rPr lang="zh-TW" altLang="en-US" sz="6400" b="1" dirty="0">
-                <a:solidFill>
-                  <a:srgbClr val="660033"/>
-                </a:solidFill>
-                <a:latin typeface="微軟正黑體" pitchFamily="34" charset="-120"/>
-                <a:ea typeface="微軟正黑體" pitchFamily="34" charset="-120"/>
-              </a:rPr>
-              <a:t>們敬</a:t>
-            </a:r>
-            <a:r>
-              <a:rPr lang="zh-TW" altLang="en-US" sz="6400" b="1" dirty="0">
+              <a:t>我們敬</a:t>
+            </a:r>
+            <a:r>
+              <a:rPr lang="zh-TW" altLang="en-US" sz="6400" b="1" dirty="0" smtClean="0">
                 <a:solidFill>
                   <a:srgbClr val="660033"/>
                 </a:solidFill>
@@ -3250,24 +3245,24 @@
               <a:t>拜</a:t>
             </a:r>
             <a:r>
-              <a:rPr lang="zh-CN" altLang="en-US" sz="6400" b="1" dirty="0">
+              <a:rPr lang="zh-CN" altLang="en-US" sz="6400" b="1" dirty="0" smtClean="0">
                 <a:solidFill>
                   <a:srgbClr val="660033"/>
                 </a:solidFill>
                 <a:latin typeface="微軟正黑體" pitchFamily="34" charset="-120"/>
                 <a:ea typeface="微軟正黑體" pitchFamily="34" charset="-120"/>
               </a:rPr>
-              <a:t>袮</a:t>
-            </a:r>
-            <a:r>
-              <a:rPr lang="zh-TW" altLang="en-US" sz="6400" b="1" dirty="0">
+              <a:t>祢</a:t>
+            </a:r>
+            <a:r>
+              <a:rPr lang="zh-TW" altLang="en-US" sz="6400" b="1" dirty="0" smtClean="0">
                 <a:solidFill>
                   <a:srgbClr val="660033"/>
                 </a:solidFill>
                 <a:latin typeface="微軟正黑體" pitchFamily="34" charset="-120"/>
                 <a:ea typeface="微軟正黑體" pitchFamily="34" charset="-120"/>
               </a:rPr>
-              <a:t>  和</a:t>
+              <a:t>  </a:t>
             </a:r>
             <a:r>
               <a:rPr lang="zh-TW" altLang="en-US" sz="6400" b="1" dirty="0">
@@ -3277,17 +3272,7 @@
                 <a:latin typeface="微軟正黑體" pitchFamily="34" charset="-120"/>
                 <a:ea typeface="微軟正黑體" pitchFamily="34" charset="-120"/>
               </a:rPr>
-              <a:t>平之</a:t>
-            </a:r>
-            <a:r>
-              <a:rPr lang="zh-TW" altLang="en-US" sz="6400" b="1" dirty="0">
-                <a:solidFill>
-                  <a:srgbClr val="660033"/>
-                </a:solidFill>
-                <a:latin typeface="微軟正黑體" pitchFamily="34" charset="-120"/>
-                <a:ea typeface="微軟正黑體" pitchFamily="34" charset="-120"/>
-              </a:rPr>
-              <a:t>君</a:t>
+              <a:t>和平之君</a:t>
             </a:r>
             <a:endParaRPr lang="en-US" altLang="zh-TW" sz="6400" b="1" dirty="0">
               <a:solidFill>
@@ -3309,20 +3294,10 @@
                 <a:latin typeface="微軟正黑體" pitchFamily="34" charset="-120"/>
                 <a:ea typeface="微軟正黑體" pitchFamily="34" charset="-120"/>
               </a:rPr>
-              <a:t>我</a:t>
-            </a:r>
-            <a:r>
-              <a:rPr lang="zh-TW" altLang="en-US" sz="6400" b="1" dirty="0">
-                <a:solidFill>
-                  <a:srgbClr val="660033"/>
-                </a:solidFill>
-                <a:latin typeface="微軟正黑體" pitchFamily="34" charset="-120"/>
-                <a:ea typeface="微軟正黑體" pitchFamily="34" charset="-120"/>
-              </a:rPr>
-              <a:t>們稱</a:t>
-            </a:r>
-            <a:r>
-              <a:rPr lang="zh-TW" altLang="en-US" sz="6400" b="1" dirty="0">
+              <a:t>我們稱</a:t>
+            </a:r>
+            <a:r>
+              <a:rPr lang="zh-TW" altLang="en-US" sz="6400" b="1" dirty="0" smtClean="0">
                 <a:solidFill>
                   <a:srgbClr val="660033"/>
                 </a:solidFill>
@@ -3332,14 +3307,14 @@
               <a:t>頌</a:t>
             </a:r>
             <a:r>
-              <a:rPr lang="zh-CN" altLang="en-US" sz="6400" b="1" dirty="0">
+              <a:rPr lang="zh-CN" altLang="en-US" sz="6400" b="1" dirty="0" smtClean="0">
                 <a:solidFill>
                   <a:srgbClr val="660033"/>
                 </a:solidFill>
                 <a:latin typeface="微軟正黑體" pitchFamily="34" charset="-120"/>
                 <a:ea typeface="微軟正黑體" pitchFamily="34" charset="-120"/>
               </a:rPr>
-              <a:t>袮  </a:t>
+              <a:t>祢  </a:t>
             </a:r>
             <a:r>
               <a:rPr lang="zh-TW" altLang="en-US" sz="6400" b="1" dirty="0">
@@ -3349,17 +3324,7 @@
                 <a:latin typeface="微軟正黑體" pitchFamily="34" charset="-120"/>
                 <a:ea typeface="微軟正黑體" pitchFamily="34" charset="-120"/>
               </a:rPr>
-              <a:t>明</a:t>
-            </a:r>
-            <a:r>
-              <a:rPr lang="zh-TW" altLang="en-US" sz="6400" b="1" dirty="0">
-                <a:solidFill>
-                  <a:srgbClr val="660033"/>
-                </a:solidFill>
-                <a:latin typeface="微軟正黑體" pitchFamily="34" charset="-120"/>
-                <a:ea typeface="微軟正黑體" pitchFamily="34" charset="-120"/>
-              </a:rPr>
-              <a:t>亮的晨星</a:t>
+              <a:t>明亮的晨星</a:t>
             </a:r>
             <a:endParaRPr lang="en-US" altLang="zh-TW" sz="6400" b="1" dirty="0">
               <a:solidFill>
@@ -3380,7 +3345,7 @@
         <p:spPr>
           <a:xfrm>
             <a:off x="0" y="5157192"/>
-            <a:ext cx="12192000" cy="748988"/>
+            <a:ext cx="12192000" cy="646331"/>
           </a:xfrm>
           <a:prstGeom prst="rect">
             <a:avLst/>
@@ -3395,7 +3360,7 @@
           <a:p>
             <a:pPr algn="ctr"/>
             <a:r>
-              <a:rPr lang="en-US" sz="4267" b="1" dirty="0">
+              <a:rPr lang="en-US" sz="3600" b="1" dirty="0">
                 <a:solidFill>
                   <a:srgbClr val="660033"/>
                 </a:solidFill>
@@ -3405,26 +3370,36 @@
               <a:t>( </a:t>
             </a:r>
             <a:r>
-              <a:rPr lang="zh-CN" altLang="en-US" sz="4267" b="1" dirty="0">
+              <a:rPr lang="zh-CN" altLang="en-US" sz="3600" b="1" dirty="0" smtClean="0">
                 <a:solidFill>
                   <a:srgbClr val="660033"/>
                 </a:solidFill>
                 <a:latin typeface="Microsoft JhengHei" panose="020B0604030504040204" pitchFamily="34" charset="-120"/>
                 <a:ea typeface="Microsoft JhengHei" panose="020B0604030504040204" pitchFamily="34" charset="-120"/>
               </a:rPr>
-              <a:t>正</a:t>
-            </a:r>
-            <a:r>
-              <a:rPr lang="en-US" sz="4267" b="1" dirty="0">
+              <a:t>正歌</a:t>
+            </a:r>
+            <a:r>
+              <a:rPr lang="en-US" sz="3600" b="1" dirty="0" smtClean="0">
                 <a:solidFill>
                   <a:srgbClr val="660033"/>
                 </a:solidFill>
                 <a:latin typeface="Microsoft JhengHei" panose="020B0604030504040204" pitchFamily="34" charset="-120"/>
                 <a:ea typeface="Microsoft JhengHei" panose="020B0604030504040204" pitchFamily="34" charset="-120"/>
               </a:rPr>
-              <a:t> )</a:t>
-            </a:r>
-            <a:endParaRPr lang="vi-VN" sz="4267" b="1" dirty="0">
+              <a:t> </a:t>
+            </a:r>
+            <a:r>
+              <a:rPr lang="en-US" sz="3600" b="1" dirty="0">
+                <a:solidFill>
+                  <a:srgbClr val="660033"/>
+                </a:solidFill>
+                <a:latin typeface="Microsoft JhengHei" panose="020B0604030504040204" pitchFamily="34" charset="-120"/>
+                <a:ea typeface="Microsoft JhengHei" panose="020B0604030504040204" pitchFamily="34" charset="-120"/>
+              </a:rPr>
+              <a:t>)</a:t>
+            </a:r>
+            <a:endParaRPr lang="vi-VN" sz="3600" b="1" dirty="0">
               <a:solidFill>
                 <a:srgbClr val="660033"/>
               </a:solidFill>
@@ -3499,7 +3474,7 @@
               <a:t>我們等</a:t>
             </a:r>
             <a:r>
-              <a:rPr lang="zh-TW" altLang="en-US" sz="6400" b="1" dirty="0">
+              <a:rPr lang="zh-TW" altLang="en-US" sz="6400" b="1" dirty="0" smtClean="0">
                 <a:solidFill>
                   <a:srgbClr val="660033"/>
                 </a:solidFill>
@@ -3509,14 +3484,14 @@
               <a:t>候</a:t>
             </a:r>
             <a:r>
-              <a:rPr lang="zh-CN" altLang="en-US" sz="6400" b="1" dirty="0">
+              <a:rPr lang="zh-CN" altLang="en-US" sz="6400" b="1" dirty="0" smtClean="0">
                 <a:solidFill>
                   <a:srgbClr val="660033"/>
                 </a:solidFill>
                 <a:latin typeface="微軟正黑體" pitchFamily="34" charset="-120"/>
                 <a:ea typeface="微軟正黑體" pitchFamily="34" charset="-120"/>
               </a:rPr>
-              <a:t>袮  </a:t>
+              <a:t>祢  </a:t>
             </a:r>
             <a:r>
               <a:rPr lang="zh-TW" altLang="en-US" sz="6400" b="1" dirty="0">
@@ -3526,27 +3501,7 @@
                 <a:latin typeface="微軟正黑體" pitchFamily="34" charset="-120"/>
                 <a:ea typeface="微軟正黑體" pitchFamily="34" charset="-120"/>
               </a:rPr>
-              <a:t>再</a:t>
-            </a:r>
-            <a:r>
-              <a:rPr lang="zh-TW" altLang="en-US" sz="6400" b="1" dirty="0">
-                <a:solidFill>
-                  <a:srgbClr val="660033"/>
-                </a:solidFill>
-                <a:latin typeface="微軟正黑體" pitchFamily="34" charset="-120"/>
-                <a:ea typeface="微軟正黑體" pitchFamily="34" charset="-120"/>
-              </a:rPr>
-              <a:t>來的</a:t>
-            </a:r>
-            <a:r>
-              <a:rPr lang="zh-TW" altLang="en-US" sz="6400" b="1" dirty="0">
-                <a:solidFill>
-                  <a:srgbClr val="660033"/>
-                </a:solidFill>
-                <a:latin typeface="微軟正黑體" pitchFamily="34" charset="-120"/>
-                <a:ea typeface="微軟正黑體" pitchFamily="34" charset="-120"/>
-              </a:rPr>
-              <a:t>王</a:t>
+              <a:t>再來的王</a:t>
             </a:r>
             <a:endParaRPr lang="en-US" altLang="zh-TW" sz="6400" b="1" dirty="0">
               <a:solidFill>
@@ -3568,20 +3523,10 @@
                 <a:latin typeface="微軟正黑體" pitchFamily="34" charset="-120"/>
                 <a:ea typeface="微軟正黑體" pitchFamily="34" charset="-120"/>
               </a:rPr>
-              <a:t>我</a:t>
-            </a:r>
-            <a:r>
-              <a:rPr lang="zh-TW" altLang="en-US" sz="6400" b="1" dirty="0">
-                <a:solidFill>
-                  <a:srgbClr val="660033"/>
-                </a:solidFill>
-                <a:latin typeface="微軟正黑體" pitchFamily="34" charset="-120"/>
-                <a:ea typeface="微軟正黑體" pitchFamily="34" charset="-120"/>
-              </a:rPr>
-              <a:t>們仰</a:t>
-            </a:r>
-            <a:r>
-              <a:rPr lang="zh-TW" altLang="en-US" sz="6400" b="1" dirty="0">
+              <a:t>我們仰</a:t>
+            </a:r>
+            <a:r>
+              <a:rPr lang="zh-TW" altLang="en-US" sz="6400" b="1" dirty="0" smtClean="0">
                 <a:solidFill>
                   <a:srgbClr val="660033"/>
                 </a:solidFill>
@@ -3591,14 +3536,14 @@
               <a:t>望</a:t>
             </a:r>
             <a:r>
-              <a:rPr lang="zh-CN" altLang="en-US" sz="6400" b="1" dirty="0">
+              <a:rPr lang="zh-CN" altLang="en-US" sz="6400" b="1" dirty="0" smtClean="0">
                 <a:solidFill>
                   <a:srgbClr val="660033"/>
                 </a:solidFill>
                 <a:latin typeface="微軟正黑體" pitchFamily="34" charset="-120"/>
                 <a:ea typeface="微軟正黑體" pitchFamily="34" charset="-120"/>
               </a:rPr>
-              <a:t>袮  </a:t>
+              <a:t>祢  </a:t>
             </a:r>
             <a:r>
               <a:rPr lang="zh-TW" altLang="en-US" sz="6400" b="1" dirty="0">
@@ -3608,17 +3553,7 @@
                 <a:latin typeface="微軟正黑體" pitchFamily="34" charset="-120"/>
                 <a:ea typeface="微軟正黑體" pitchFamily="34" charset="-120"/>
               </a:rPr>
-              <a:t>公</a:t>
-            </a:r>
-            <a:r>
-              <a:rPr lang="zh-TW" altLang="en-US" sz="6400" b="1" dirty="0">
-                <a:solidFill>
-                  <a:srgbClr val="660033"/>
-                </a:solidFill>
-                <a:latin typeface="微軟正黑體" pitchFamily="34" charset="-120"/>
-                <a:ea typeface="微軟正黑體" pitchFamily="34" charset="-120"/>
-              </a:rPr>
-              <a:t>義的太陽</a:t>
+              <a:t>公義的太陽</a:t>
             </a:r>
             <a:endParaRPr lang="en-US" altLang="zh-TW" sz="6400" b="1" dirty="0">
               <a:solidFill>
@@ -3639,7 +3574,7 @@
         <p:spPr>
           <a:xfrm>
             <a:off x="0" y="5157192"/>
-            <a:ext cx="12192000" cy="748988"/>
+            <a:ext cx="12192000" cy="646331"/>
           </a:xfrm>
           <a:prstGeom prst="rect">
             <a:avLst/>
@@ -3654,7 +3589,7 @@
           <a:p>
             <a:pPr algn="ctr"/>
             <a:r>
-              <a:rPr lang="en-US" sz="4267" b="1" dirty="0">
+              <a:rPr lang="en-US" sz="3600" b="1" dirty="0">
                 <a:solidFill>
                   <a:srgbClr val="660033"/>
                 </a:solidFill>
@@ -3664,17 +3599,17 @@
               <a:t>( </a:t>
             </a:r>
             <a:r>
-              <a:rPr lang="zh-CN" altLang="en-US" sz="4267" b="1" dirty="0">
+              <a:rPr lang="zh-CN" altLang="en-US" sz="3600" b="1" dirty="0">
                 <a:solidFill>
                   <a:srgbClr val="660033"/>
                 </a:solidFill>
                 <a:latin typeface="Microsoft JhengHei" panose="020B0604030504040204" pitchFamily="34" charset="-120"/>
                 <a:ea typeface="Microsoft JhengHei" panose="020B0604030504040204" pitchFamily="34" charset="-120"/>
               </a:rPr>
-              <a:t>正</a:t>
-            </a:r>
-            <a:r>
-              <a:rPr lang="en-US" sz="4267" b="1" dirty="0">
+              <a:t>正歌</a:t>
+            </a:r>
+            <a:r>
+              <a:rPr lang="en-US" sz="3600" b="1" dirty="0">
                 <a:solidFill>
                   <a:srgbClr val="660033"/>
                 </a:solidFill>
@@ -3683,10 +3618,11 @@
               </a:rPr>
               <a:t> )</a:t>
             </a:r>
-            <a:endParaRPr lang="vi-VN" sz="4267" b="1" dirty="0">
+            <a:endParaRPr lang="vi-VN" sz="3600" b="1" dirty="0">
               <a:solidFill>
                 <a:srgbClr val="660033"/>
               </a:solidFill>
+              <a:latin typeface="Microsoft JhengHei" panose="020B0604030504040204" pitchFamily="34" charset="-120"/>
               <a:ea typeface="Microsoft JhengHei" panose="020B0604030504040204" pitchFamily="34" charset="-120"/>
             </a:endParaRPr>
           </a:p>
@@ -3755,37 +3691,7 @@
                 <a:latin typeface="微軟正黑體" pitchFamily="34" charset="-120"/>
                 <a:ea typeface="微軟正黑體" pitchFamily="34" charset="-120"/>
               </a:rPr>
-              <a:t>耶</a:t>
-            </a:r>
-            <a:r>
-              <a:rPr lang="zh-TW" altLang="en-US" sz="6400" b="1" dirty="0">
-                <a:solidFill>
-                  <a:srgbClr val="660033"/>
-                </a:solidFill>
-                <a:latin typeface="微軟正黑體" pitchFamily="34" charset="-120"/>
-                <a:ea typeface="微軟正黑體" pitchFamily="34" charset="-120"/>
-              </a:rPr>
-              <a:t>穌  耶穌  永</a:t>
-            </a:r>
-            <a:r>
-              <a:rPr lang="zh-TW" altLang="en-US" sz="6400" b="1" dirty="0">
-                <a:solidFill>
-                  <a:srgbClr val="660033"/>
-                </a:solidFill>
-                <a:latin typeface="微軟正黑體" pitchFamily="34" charset="-120"/>
-                <a:ea typeface="微軟正黑體" pitchFamily="34" charset="-120"/>
-              </a:rPr>
-              <a:t>生神的兒</a:t>
-            </a:r>
-            <a:r>
-              <a:rPr lang="zh-TW" altLang="en-US" sz="6400" b="1" dirty="0">
-                <a:solidFill>
-                  <a:srgbClr val="660033"/>
-                </a:solidFill>
-                <a:latin typeface="微軟正黑體" pitchFamily="34" charset="-120"/>
-                <a:ea typeface="微軟正黑體" pitchFamily="34" charset="-120"/>
-              </a:rPr>
-              <a:t>子</a:t>
+              <a:t>耶穌  耶穌  永生神的兒子</a:t>
             </a:r>
             <a:endParaRPr lang="en-US" altLang="zh-TW" sz="6400" b="1" dirty="0">
               <a:solidFill>
@@ -3807,17 +3713,7 @@
                 <a:latin typeface="微軟正黑體" pitchFamily="34" charset="-120"/>
                 <a:ea typeface="微軟正黑體" pitchFamily="34" charset="-120"/>
               </a:rPr>
-              <a:t>耶穌  耶穌  我</a:t>
-            </a:r>
-            <a:r>
-              <a:rPr lang="zh-TW" altLang="en-US" sz="6400" b="1" dirty="0">
-                <a:solidFill>
-                  <a:srgbClr val="660033"/>
-                </a:solidFill>
-                <a:latin typeface="微軟正黑體" pitchFamily="34" charset="-120"/>
-                <a:ea typeface="微軟正黑體" pitchFamily="34" charset="-120"/>
-              </a:rPr>
-              <a:t>的救贖主</a:t>
+              <a:t>耶穌  耶穌  我的救贖主</a:t>
             </a:r>
             <a:endParaRPr lang="en-US" altLang="zh-TW" sz="6400" b="1" dirty="0">
               <a:solidFill>
@@ -3838,7 +3734,7 @@
         <p:spPr>
           <a:xfrm>
             <a:off x="0" y="5157192"/>
-            <a:ext cx="12192000" cy="748988"/>
+            <a:ext cx="12192000" cy="646331"/>
           </a:xfrm>
           <a:prstGeom prst="rect">
             <a:avLst/>
@@ -3853,7 +3749,7 @@
           <a:p>
             <a:pPr algn="ctr"/>
             <a:r>
-              <a:rPr lang="en-US" sz="4267" b="1" dirty="0">
+              <a:rPr lang="en-US" sz="3600" b="1" dirty="0">
                 <a:solidFill>
                   <a:srgbClr val="660033"/>
                 </a:solidFill>
@@ -3863,29 +3759,40 @@
               <a:t>( </a:t>
             </a:r>
             <a:r>
-              <a:rPr lang="zh-CN" altLang="en-US" sz="4267" b="1" dirty="0">
+              <a:rPr lang="zh-CN" altLang="en-US" sz="3600" b="1" dirty="0">
                 <a:solidFill>
                   <a:srgbClr val="660033"/>
                 </a:solidFill>
                 <a:latin typeface="Microsoft JhengHei" panose="020B0604030504040204" pitchFamily="34" charset="-120"/>
                 <a:ea typeface="Microsoft JhengHei" panose="020B0604030504040204" pitchFamily="34" charset="-120"/>
               </a:rPr>
-              <a:t>副</a:t>
-            </a:r>
-            <a:r>
-              <a:rPr lang="en-US" sz="4267" b="1" dirty="0">
+              <a:t>副歌</a:t>
+            </a:r>
+            <a:r>
+              <a:rPr lang="en-US" sz="3600" b="1" dirty="0">
                 <a:solidFill>
                   <a:srgbClr val="660033"/>
                 </a:solidFill>
                 <a:latin typeface="Microsoft JhengHei" panose="020B0604030504040204" pitchFamily="34" charset="-120"/>
                 <a:ea typeface="Microsoft JhengHei" panose="020B0604030504040204" pitchFamily="34" charset="-120"/>
               </a:rPr>
-              <a:t> )</a:t>
-            </a:r>
-            <a:endParaRPr lang="vi-VN" sz="4267" b="1" dirty="0">
+              <a:t> </a:t>
+            </a:r>
+            <a:r>
+              <a:rPr lang="en-US" sz="3600" b="1" dirty="0">
+                <a:solidFill>
+                  <a:srgbClr val="660033"/>
+                </a:solidFill>
+                <a:latin typeface="Microsoft JhengHei" panose="020B0604030504040204" pitchFamily="34" charset="-120"/>
+                <a:ea typeface="Microsoft JhengHei" panose="020B0604030504040204" pitchFamily="34" charset="-120"/>
+              </a:rPr>
+              <a:t>)</a:t>
+            </a:r>
+            <a:endParaRPr lang="vi-VN" sz="3600" b="1" dirty="0">
               <a:solidFill>
                 <a:srgbClr val="660033"/>
               </a:solidFill>
+              <a:latin typeface="Microsoft JhengHei" panose="020B0604030504040204" pitchFamily="34" charset="-120"/>
               <a:ea typeface="Microsoft JhengHei" panose="020B0604030504040204" pitchFamily="34" charset="-120"/>
             </a:endParaRPr>
           </a:p>
@@ -3954,37 +3861,7 @@
                 <a:latin typeface="微軟正黑體" pitchFamily="34" charset="-120"/>
                 <a:ea typeface="微軟正黑體" pitchFamily="34" charset="-120"/>
               </a:rPr>
-              <a:t>耶</a:t>
-            </a:r>
-            <a:r>
-              <a:rPr lang="zh-TW" altLang="en-US" sz="6400" b="1" dirty="0">
-                <a:solidFill>
-                  <a:srgbClr val="660033"/>
-                </a:solidFill>
-                <a:latin typeface="微軟正黑體" pitchFamily="34" charset="-120"/>
-                <a:ea typeface="微軟正黑體" pitchFamily="34" charset="-120"/>
-              </a:rPr>
-              <a:t>穌  耶穌  世</a:t>
-            </a:r>
-            <a:r>
-              <a:rPr lang="zh-TW" altLang="en-US" sz="6400" b="1" dirty="0">
-                <a:solidFill>
-                  <a:srgbClr val="660033"/>
-                </a:solidFill>
-                <a:latin typeface="微軟正黑體" pitchFamily="34" charset="-120"/>
-                <a:ea typeface="微軟正黑體" pitchFamily="34" charset="-120"/>
-              </a:rPr>
-              <a:t>界的</a:t>
-            </a:r>
-            <a:r>
-              <a:rPr lang="zh-TW" altLang="en-US" sz="6400" b="1" dirty="0">
-                <a:solidFill>
-                  <a:srgbClr val="660033"/>
-                </a:solidFill>
-                <a:latin typeface="微軟正黑體" pitchFamily="34" charset="-120"/>
-                <a:ea typeface="微軟正黑體" pitchFamily="34" charset="-120"/>
-              </a:rPr>
-              <a:t>光</a:t>
+              <a:t>耶穌  耶穌  世界的光</a:t>
             </a:r>
             <a:endParaRPr lang="en-US" altLang="zh-TW" sz="6400" b="1" dirty="0">
               <a:solidFill>
@@ -4006,17 +3883,7 @@
                 <a:latin typeface="微軟正黑體" pitchFamily="34" charset="-120"/>
                 <a:ea typeface="微軟正黑體" pitchFamily="34" charset="-120"/>
               </a:rPr>
-              <a:t>耶穌  耶穌  我</a:t>
-            </a:r>
-            <a:r>
-              <a:rPr lang="zh-TW" altLang="en-US" sz="6400" b="1" dirty="0">
-                <a:solidFill>
-                  <a:srgbClr val="660033"/>
-                </a:solidFill>
-                <a:latin typeface="微軟正黑體" pitchFamily="34" charset="-120"/>
-                <a:ea typeface="微軟正黑體" pitchFamily="34" charset="-120"/>
-              </a:rPr>
-              <a:t>心所盼望</a:t>
+              <a:t>耶穌  耶穌  我心所盼望</a:t>
             </a:r>
             <a:endParaRPr lang="en-US" altLang="zh-TW" sz="6400" b="1" dirty="0">
               <a:solidFill>
@@ -4037,7 +3904,7 @@
         <p:spPr>
           <a:xfrm>
             <a:off x="0" y="5157192"/>
-            <a:ext cx="12192000" cy="748988"/>
+            <a:ext cx="12192000" cy="646331"/>
           </a:xfrm>
           <a:prstGeom prst="rect">
             <a:avLst/>
@@ -4052,7 +3919,7 @@
           <a:p>
             <a:pPr algn="ctr"/>
             <a:r>
-              <a:rPr lang="en-US" sz="4267" b="1" dirty="0">
+              <a:rPr lang="en-US" sz="3600" b="1" dirty="0" smtClean="0">
                 <a:solidFill>
                   <a:srgbClr val="660033"/>
                 </a:solidFill>
@@ -4062,17 +3929,17 @@
               <a:t>( </a:t>
             </a:r>
             <a:r>
-              <a:rPr lang="zh-CN" altLang="en-US" sz="4267" b="1" dirty="0">
+              <a:rPr lang="zh-CN" altLang="en-US" sz="3600" b="1" dirty="0" smtClean="0">
                 <a:solidFill>
                   <a:srgbClr val="660033"/>
                 </a:solidFill>
                 <a:latin typeface="Microsoft JhengHei" panose="020B0604030504040204" pitchFamily="34" charset="-120"/>
                 <a:ea typeface="Microsoft JhengHei" panose="020B0604030504040204" pitchFamily="34" charset="-120"/>
               </a:rPr>
-              <a:t>副</a:t>
-            </a:r>
-            <a:r>
-              <a:rPr lang="en-US" sz="4267" b="1" dirty="0">
+              <a:t>副歌</a:t>
+            </a:r>
+            <a:r>
+              <a:rPr lang="en-US" sz="3600" b="1" dirty="0" smtClean="0">
                 <a:solidFill>
                   <a:srgbClr val="660033"/>
                 </a:solidFill>
@@ -4081,10 +3948,11 @@
               </a:rPr>
               <a:t> )</a:t>
             </a:r>
-            <a:endParaRPr lang="vi-VN" sz="4267" b="1" dirty="0">
+            <a:endParaRPr lang="vi-VN" sz="3600" b="1" dirty="0">
               <a:solidFill>
                 <a:srgbClr val="660033"/>
               </a:solidFill>
+              <a:latin typeface="Microsoft JhengHei" panose="020B0604030504040204" pitchFamily="34" charset="-120"/>
               <a:ea typeface="Microsoft JhengHei" panose="020B0604030504040204" pitchFamily="34" charset="-120"/>
             </a:endParaRPr>
           </a:p>
